--- a/LGLpitch.pptx
+++ b/LGLpitch.pptx
@@ -4023,8 +4023,8 @@
           <a:lstStyle/>
           <a:p>
             <a:r>
-              <a:rPr lang="en-GB" sz="2400">
-                <a:cs typeface="Calibri"/>
+              <a:rPr lang="en-GB" sz="2400" dirty="0">
+                <a:cs typeface="Calibri" panose="020F0502020204030204"/>
               </a:rPr>
               <a:t>Interactive Map</a:t>
             </a:r>
@@ -4032,10 +4032,13 @@
           <a:p>
             <a:r>
               <a:rPr lang="en-GB" sz="2400">
-                <a:cs typeface="Calibri"/>
+                <a:cs typeface="Calibri" panose="020F0502020204030204"/>
               </a:rPr>
-              <a:t>Text To Speech</a:t>
-            </a:r>
+              <a:t>Text-To-Speech</a:t>
+            </a:r>
+            <a:endParaRPr lang="en-GB" sz="2400" dirty="0">
+              <a:cs typeface="Calibri" panose="020F0502020204030204"/>
+            </a:endParaRPr>
           </a:p>
           <a:p>
             <a:endParaRPr lang="en-GB" sz="2400" dirty="0">
@@ -5439,12 +5442,9 @@
 </file>
 
 <file path=customXml/item1.xml><?xml version="1.0" encoding="utf-8"?>
-<?mso-contentType ?>
-<FormTemplates xmlns="http://schemas.microsoft.com/sharepoint/v3/contenttype/forms">
-  <Display>DocumentLibraryForm</Display>
-  <Edit>DocumentLibraryForm</Edit>
-  <New>DocumentLibraryForm</New>
-</FormTemplates>
+<p:properties xmlns:p="http://schemas.microsoft.com/office/2006/metadata/properties" xmlns:xsi="http://www.w3.org/2001/XMLSchema-instance" xmlns:pc="http://schemas.microsoft.com/office/infopath/2007/PartnerControls">
+  <documentManagement/>
+</p:properties>
 </file>
 
 <file path=customXml/item2.xml><?xml version="1.0" encoding="utf-8"?>
@@ -5619,15 +5619,19 @@
 </file>
 
 <file path=customXml/item3.xml><?xml version="1.0" encoding="utf-8"?>
-<p:properties xmlns:p="http://schemas.microsoft.com/office/2006/metadata/properties" xmlns:xsi="http://www.w3.org/2001/XMLSchema-instance" xmlns:pc="http://schemas.microsoft.com/office/infopath/2007/PartnerControls">
-  <documentManagement/>
-</p:properties>
+<?mso-contentType ?>
+<FormTemplates xmlns="http://schemas.microsoft.com/sharepoint/v3/contenttype/forms">
+  <Display>DocumentLibraryForm</Display>
+  <Edit>DocumentLibraryForm</Edit>
+  <New>DocumentLibraryForm</New>
+</FormTemplates>
 </file>
 
 <file path=customXml/itemProps1.xml><?xml version="1.0" encoding="utf-8"?>
-<ds:datastoreItem xmlns:ds="http://schemas.openxmlformats.org/officeDocument/2006/customXml" ds:itemID="{CD02E774-B3A5-4081-81B2-8EE9F46B471E}">
+<ds:datastoreItem xmlns:ds="http://schemas.openxmlformats.org/officeDocument/2006/customXml" ds:itemID="{78CFF1E8-3A97-44D4-AB97-13459B1C2310}">
   <ds:schemaRefs>
-    <ds:schemaRef ds:uri="http://schemas.microsoft.com/sharepoint/v3/contenttype/forms"/>
+    <ds:schemaRef ds:uri="http://schemas.microsoft.com/office/2006/metadata/properties"/>
+    <ds:schemaRef ds:uri="http://schemas.microsoft.com/office/infopath/2007/PartnerControls"/>
   </ds:schemaRefs>
 </ds:datastoreItem>
 </file>
@@ -5652,10 +5656,9 @@
 </file>
 
 <file path=customXml/itemProps3.xml><?xml version="1.0" encoding="utf-8"?>
-<ds:datastoreItem xmlns:ds="http://schemas.openxmlformats.org/officeDocument/2006/customXml" ds:itemID="{78CFF1E8-3A97-44D4-AB97-13459B1C2310}">
+<ds:datastoreItem xmlns:ds="http://schemas.openxmlformats.org/officeDocument/2006/customXml" ds:itemID="{CD02E774-B3A5-4081-81B2-8EE9F46B471E}">
   <ds:schemaRefs>
-    <ds:schemaRef ds:uri="http://schemas.microsoft.com/office/2006/metadata/properties"/>
-    <ds:schemaRef ds:uri="http://schemas.microsoft.com/office/infopath/2007/PartnerControls"/>
+    <ds:schemaRef ds:uri="http://schemas.microsoft.com/sharepoint/v3/contenttype/forms"/>
   </ds:schemaRefs>
 </ds:datastoreItem>
 </file>